--- a/docs/Sudoku 9x9 Solver.pptx
+++ b/docs/Sudoku 9x9 Solver.pptx
@@ -18,7 +18,8 @@
     <p:sldId id="266" r:id="rId12"/>
     <p:sldId id="271" r:id="rId13"/>
     <p:sldId id="270" r:id="rId14"/>
-    <p:sldId id="267" r:id="rId15"/>
+    <p:sldId id="272" r:id="rId15"/>
+    <p:sldId id="267" r:id="rId16"/>
   </p:sldIdLst>
   <p:sldSz cx="12192000" cy="6858000"/>
   <p:notesSz cx="6858000" cy="9144000"/>
@@ -8746,13 +8747,34 @@
               </a:lnSpc>
             </a:pPr>
             <a:r>
-              <a:rPr lang="en-US" sz="5400" cap="all">
+              <a:rPr lang="en-US" sz="5400" cap="all" dirty="0" err="1">
                 <a:solidFill>
                   <a:schemeClr val="tx2"/>
                 </a:solidFill>
               </a:rPr>
-              <a:t>Tablas de resultados</a:t>
-            </a:r>
+              <a:t>Tablas</a:t>
+            </a:r>
+            <a:r>
+              <a:rPr lang="en-US" sz="5400" cap="all" dirty="0">
+                <a:solidFill>
+                  <a:schemeClr val="tx2"/>
+                </a:solidFill>
+              </a:rPr>
+              <a:t> de </a:t>
+            </a:r>
+            <a:r>
+              <a:rPr lang="en-US" sz="5400" cap="all" dirty="0" err="1">
+                <a:solidFill>
+                  <a:schemeClr val="tx2"/>
+                </a:solidFill>
+              </a:rPr>
+              <a:t>resultados</a:t>
+            </a:r>
+            <a:endParaRPr lang="en-US" sz="5400" cap="all" dirty="0">
+              <a:solidFill>
+                <a:schemeClr val="tx2"/>
+              </a:solidFill>
+            </a:endParaRPr>
           </a:p>
         </p:txBody>
       </p:sp>
@@ -8819,126 +8841,6 @@
           </a:p>
         </p:txBody>
       </p:sp>
-      <p:pic>
-        <p:nvPicPr>
-          <p:cNvPr id="6" name="Picture 5" descr="A close up of a map&#10;&#10;Description automatically generated">
-            <a:extLst>
-              <a:ext uri="{FF2B5EF4-FFF2-40B4-BE49-F238E27FC236}">
-                <a16:creationId xmlns:a16="http://schemas.microsoft.com/office/drawing/2014/main" id="{164017A2-90BD-4EF6-9357-A5BF7D253CD4}"/>
-              </a:ext>
-            </a:extLst>
-          </p:cNvPr>
-          <p:cNvPicPr>
-            <a:picLocks noChangeAspect="1"/>
-          </p:cNvPicPr>
-          <p:nvPr/>
-        </p:nvPicPr>
-        <p:blipFill>
-          <a:blip r:embed="rId2"/>
-          <a:stretch>
-            <a:fillRect/>
-          </a:stretch>
-        </p:blipFill>
-        <p:spPr>
-          <a:xfrm>
-            <a:off x="6294175" y="725848"/>
-            <a:ext cx="2803650" cy="1690590"/>
-          </a:xfrm>
-          <a:prstGeom prst="rect">
-            <a:avLst/>
-          </a:prstGeom>
-        </p:spPr>
-      </p:pic>
-      <p:pic>
-        <p:nvPicPr>
-          <p:cNvPr id="9" name="Picture 8">
-            <a:extLst>
-              <a:ext uri="{FF2B5EF4-FFF2-40B4-BE49-F238E27FC236}">
-                <a16:creationId xmlns:a16="http://schemas.microsoft.com/office/drawing/2014/main" id="{EF821250-4CD1-4423-BF72-AF4C53F5729E}"/>
-              </a:ext>
-            </a:extLst>
-          </p:cNvPr>
-          <p:cNvPicPr>
-            <a:picLocks noChangeAspect="1"/>
-          </p:cNvPicPr>
-          <p:nvPr/>
-        </p:nvPicPr>
-        <p:blipFill>
-          <a:blip r:embed="rId3"/>
-          <a:stretch>
-            <a:fillRect/>
-          </a:stretch>
-        </p:blipFill>
-        <p:spPr>
-          <a:xfrm>
-            <a:off x="241301" y="916523"/>
-            <a:ext cx="2891703" cy="1252164"/>
-          </a:xfrm>
-          <a:prstGeom prst="rect">
-            <a:avLst/>
-          </a:prstGeom>
-        </p:spPr>
-      </p:pic>
-      <p:pic>
-        <p:nvPicPr>
-          <p:cNvPr id="8" name="Picture 7" descr="A close up of a map&#10;&#10;Description automatically generated">
-            <a:extLst>
-              <a:ext uri="{FF2B5EF4-FFF2-40B4-BE49-F238E27FC236}">
-                <a16:creationId xmlns:a16="http://schemas.microsoft.com/office/drawing/2014/main" id="{C40E5F88-FDA5-4C49-9350-C218AC9068E8}"/>
-              </a:ext>
-            </a:extLst>
-          </p:cNvPr>
-          <p:cNvPicPr>
-            <a:picLocks noChangeAspect="1"/>
-          </p:cNvPicPr>
-          <p:nvPr/>
-        </p:nvPicPr>
-        <p:blipFill>
-          <a:blip r:embed="rId4"/>
-          <a:stretch>
-            <a:fillRect/>
-          </a:stretch>
-        </p:blipFill>
-        <p:spPr>
-          <a:xfrm>
-            <a:off x="3361477" y="738554"/>
-            <a:ext cx="2876464" cy="1720450"/>
-          </a:xfrm>
-          <a:prstGeom prst="rect">
-            <a:avLst/>
-          </a:prstGeom>
-        </p:spPr>
-      </p:pic>
-      <p:pic>
-        <p:nvPicPr>
-          <p:cNvPr id="4" name="Picture 3" descr="A screenshot of a cell phone&#10;&#10;Description automatically generated">
-            <a:extLst>
-              <a:ext uri="{FF2B5EF4-FFF2-40B4-BE49-F238E27FC236}">
-                <a16:creationId xmlns:a16="http://schemas.microsoft.com/office/drawing/2014/main" id="{EC016C72-A3C4-4F78-B6AA-6A6111F297C8}"/>
-              </a:ext>
-            </a:extLst>
-          </p:cNvPr>
-          <p:cNvPicPr>
-            <a:picLocks noChangeAspect="1"/>
-          </p:cNvPicPr>
-          <p:nvPr/>
-        </p:nvPicPr>
-        <p:blipFill>
-          <a:blip r:embed="rId5"/>
-          <a:stretch>
-            <a:fillRect/>
-          </a:stretch>
-        </p:blipFill>
-        <p:spPr>
-          <a:xfrm>
-            <a:off x="9215288" y="693634"/>
-            <a:ext cx="2815844" cy="1697943"/>
-          </a:xfrm>
-          <a:prstGeom prst="rect">
-            <a:avLst/>
-          </a:prstGeom>
-        </p:spPr>
-      </p:pic>
       <p:sp>
         <p:nvSpPr>
           <p:cNvPr id="22" name="Freeform 6">
@@ -9339,6 +9241,66 @@
           </a:fontRef>
         </p:style>
       </p:cxnSp>
+      <p:pic>
+        <p:nvPicPr>
+          <p:cNvPr id="27" name="Picture 26">
+            <a:extLst>
+              <a:ext uri="{FF2B5EF4-FFF2-40B4-BE49-F238E27FC236}">
+                <a16:creationId xmlns:a16="http://schemas.microsoft.com/office/drawing/2014/main" id="{575B9304-5731-47CB-85DD-6D1C7AA3C2C6}"/>
+              </a:ext>
+            </a:extLst>
+          </p:cNvPr>
+          <p:cNvPicPr>
+            <a:picLocks noChangeAspect="1"/>
+          </p:cNvPicPr>
+          <p:nvPr/>
+        </p:nvPicPr>
+        <p:blipFill>
+          <a:blip r:embed="rId2"/>
+          <a:stretch>
+            <a:fillRect/>
+          </a:stretch>
+        </p:blipFill>
+        <p:spPr>
+          <a:xfrm>
+            <a:off x="905975" y="525856"/>
+            <a:ext cx="5100152" cy="2208466"/>
+          </a:xfrm>
+          <a:prstGeom prst="rect">
+            <a:avLst/>
+          </a:prstGeom>
+        </p:spPr>
+      </p:pic>
+      <p:pic>
+        <p:nvPicPr>
+          <p:cNvPr id="28" name="Picture 27" descr="A close up of a map&#10;&#10;Description automatically generated">
+            <a:extLst>
+              <a:ext uri="{FF2B5EF4-FFF2-40B4-BE49-F238E27FC236}">
+                <a16:creationId xmlns:a16="http://schemas.microsoft.com/office/drawing/2014/main" id="{E15018B9-E617-4708-ACBD-655537F27124}"/>
+              </a:ext>
+            </a:extLst>
+          </p:cNvPr>
+          <p:cNvPicPr>
+            <a:picLocks noChangeAspect="1"/>
+          </p:cNvPicPr>
+          <p:nvPr/>
+        </p:nvPicPr>
+        <p:blipFill>
+          <a:blip r:embed="rId3"/>
+          <a:stretch>
+            <a:fillRect/>
+          </a:stretch>
+        </p:blipFill>
+        <p:spPr>
+          <a:xfrm>
+            <a:off x="6261063" y="525856"/>
+            <a:ext cx="3692390" cy="2208466"/>
+          </a:xfrm>
+          <a:prstGeom prst="rect">
+            <a:avLst/>
+          </a:prstGeom>
+        </p:spPr>
+      </p:pic>
     </p:spTree>
     <p:extLst>
       <p:ext uri="{BB962C8B-B14F-4D97-AF65-F5344CB8AC3E}">
@@ -9353,6 +9315,216 @@
 </file>
 
 <file path=ppt/slides/slide14.xml><?xml version="1.0" encoding="utf-8"?>
+<p:sld xmlns:a="http://schemas.openxmlformats.org/drawingml/2006/main" xmlns:r="http://schemas.openxmlformats.org/officeDocument/2006/relationships" xmlns:p="http://schemas.openxmlformats.org/presentationml/2006/main">
+  <p:cSld>
+    <p:spTree>
+      <p:nvGrpSpPr>
+        <p:cNvPr id="1" name=""/>
+        <p:cNvGrpSpPr/>
+        <p:nvPr/>
+      </p:nvGrpSpPr>
+      <p:grpSpPr>
+        <a:xfrm>
+          <a:off x="0" y="0"/>
+          <a:ext cx="0" cy="0"/>
+          <a:chOff x="0" y="0"/>
+          <a:chExt cx="0" cy="0"/>
+        </a:xfrm>
+      </p:grpSpPr>
+      <p:pic>
+        <p:nvPicPr>
+          <p:cNvPr id="4" name="Picture 3" descr="A close up of a map&#10;&#10;Description automatically generated">
+            <a:extLst>
+              <a:ext uri="{FF2B5EF4-FFF2-40B4-BE49-F238E27FC236}">
+                <a16:creationId xmlns:a16="http://schemas.microsoft.com/office/drawing/2014/main" id="{3605AA7A-8805-42AD-B048-FA137BD6FC03}"/>
+              </a:ext>
+            </a:extLst>
+          </p:cNvPr>
+          <p:cNvPicPr>
+            <a:picLocks noChangeAspect="1"/>
+          </p:cNvPicPr>
+          <p:nvPr/>
+        </p:nvPicPr>
+        <p:blipFill>
+          <a:blip r:embed="rId2"/>
+          <a:stretch>
+            <a:fillRect/>
+          </a:stretch>
+        </p:blipFill>
+        <p:spPr>
+          <a:xfrm>
+            <a:off x="4405931" y="1213023"/>
+            <a:ext cx="3391074" cy="1930499"/>
+          </a:xfrm>
+          <a:prstGeom prst="rect">
+            <a:avLst/>
+          </a:prstGeom>
+        </p:spPr>
+      </p:pic>
+      <p:pic>
+        <p:nvPicPr>
+          <p:cNvPr id="5" name="Picture 4" descr="A screenshot of a map&#10;&#10;Description automatically generated">
+            <a:extLst>
+              <a:ext uri="{FF2B5EF4-FFF2-40B4-BE49-F238E27FC236}">
+                <a16:creationId xmlns:a16="http://schemas.microsoft.com/office/drawing/2014/main" id="{AADD307F-5A24-44A1-802E-285CC2189AC1}"/>
+              </a:ext>
+            </a:extLst>
+          </p:cNvPr>
+          <p:cNvPicPr>
+            <a:picLocks noChangeAspect="1"/>
+          </p:cNvPicPr>
+          <p:nvPr/>
+        </p:nvPicPr>
+        <p:blipFill>
+          <a:blip r:embed="rId3"/>
+          <a:stretch>
+            <a:fillRect/>
+          </a:stretch>
+        </p:blipFill>
+        <p:spPr>
+          <a:xfrm>
+            <a:off x="8005834" y="1213023"/>
+            <a:ext cx="3378374" cy="1994002"/>
+          </a:xfrm>
+          <a:prstGeom prst="rect">
+            <a:avLst/>
+          </a:prstGeom>
+        </p:spPr>
+      </p:pic>
+      <p:pic>
+        <p:nvPicPr>
+          <p:cNvPr id="6" name="Picture 5" descr="A close up of a map&#10;&#10;Description automatically generated">
+            <a:extLst>
+              <a:ext uri="{FF2B5EF4-FFF2-40B4-BE49-F238E27FC236}">
+                <a16:creationId xmlns:a16="http://schemas.microsoft.com/office/drawing/2014/main" id="{36298A25-2FF8-4F99-BF36-A3F14A534418}"/>
+              </a:ext>
+            </a:extLst>
+          </p:cNvPr>
+          <p:cNvPicPr>
+            <a:picLocks noChangeAspect="1"/>
+          </p:cNvPicPr>
+          <p:nvPr/>
+        </p:nvPicPr>
+        <p:blipFill>
+          <a:blip r:embed="rId4"/>
+          <a:stretch>
+            <a:fillRect/>
+          </a:stretch>
+        </p:blipFill>
+        <p:spPr>
+          <a:xfrm>
+            <a:off x="4431332" y="3370868"/>
+            <a:ext cx="3365673" cy="1949550"/>
+          </a:xfrm>
+          <a:prstGeom prst="rect">
+            <a:avLst/>
+          </a:prstGeom>
+        </p:spPr>
+      </p:pic>
+      <p:pic>
+        <p:nvPicPr>
+          <p:cNvPr id="7" name="Picture 6" descr="A close up of a map&#10;&#10;Description automatically generated">
+            <a:extLst>
+              <a:ext uri="{FF2B5EF4-FFF2-40B4-BE49-F238E27FC236}">
+                <a16:creationId xmlns:a16="http://schemas.microsoft.com/office/drawing/2014/main" id="{1F8EF42A-6322-4058-884A-B4C15B899C47}"/>
+              </a:ext>
+            </a:extLst>
+          </p:cNvPr>
+          <p:cNvPicPr>
+            <a:picLocks noChangeAspect="1"/>
+          </p:cNvPicPr>
+          <p:nvPr/>
+        </p:nvPicPr>
+        <p:blipFill>
+          <a:blip r:embed="rId5"/>
+          <a:stretch>
+            <a:fillRect/>
+          </a:stretch>
+        </p:blipFill>
+        <p:spPr>
+          <a:xfrm>
+            <a:off x="729824" y="3389919"/>
+            <a:ext cx="3365673" cy="1936850"/>
+          </a:xfrm>
+          <a:prstGeom prst="rect">
+            <a:avLst/>
+          </a:prstGeom>
+        </p:spPr>
+      </p:pic>
+      <p:pic>
+        <p:nvPicPr>
+          <p:cNvPr id="8" name="Picture 7" descr="A close up of a map&#10;&#10;Description automatically generated">
+            <a:extLst>
+              <a:ext uri="{FF2B5EF4-FFF2-40B4-BE49-F238E27FC236}">
+                <a16:creationId xmlns:a16="http://schemas.microsoft.com/office/drawing/2014/main" id="{D1A7EB59-B5CF-46A3-B336-62BD54061195}"/>
+              </a:ext>
+            </a:extLst>
+          </p:cNvPr>
+          <p:cNvPicPr>
+            <a:picLocks noChangeAspect="1"/>
+          </p:cNvPicPr>
+          <p:nvPr/>
+        </p:nvPicPr>
+        <p:blipFill>
+          <a:blip r:embed="rId6"/>
+          <a:stretch>
+            <a:fillRect/>
+          </a:stretch>
+        </p:blipFill>
+        <p:spPr>
+          <a:xfrm>
+            <a:off x="8005834" y="3329591"/>
+            <a:ext cx="3384724" cy="2032104"/>
+          </a:xfrm>
+          <a:prstGeom prst="rect">
+            <a:avLst/>
+          </a:prstGeom>
+        </p:spPr>
+      </p:pic>
+      <p:pic>
+        <p:nvPicPr>
+          <p:cNvPr id="9" name="Picture 8" descr="A close up of a map&#10;&#10;Description automatically generated">
+            <a:extLst>
+              <a:ext uri="{FF2B5EF4-FFF2-40B4-BE49-F238E27FC236}">
+                <a16:creationId xmlns:a16="http://schemas.microsoft.com/office/drawing/2014/main" id="{49E163B6-548F-4439-9144-498F3193094B}"/>
+              </a:ext>
+            </a:extLst>
+          </p:cNvPr>
+          <p:cNvPicPr>
+            <a:picLocks noChangeAspect="1"/>
+          </p:cNvPicPr>
+          <p:nvPr/>
+        </p:nvPicPr>
+        <p:blipFill>
+          <a:blip r:embed="rId7"/>
+          <a:stretch>
+            <a:fillRect/>
+          </a:stretch>
+        </p:blipFill>
+        <p:spPr>
+          <a:xfrm>
+            <a:off x="729824" y="1213023"/>
+            <a:ext cx="3467278" cy="1949550"/>
+          </a:xfrm>
+          <a:prstGeom prst="rect">
+            <a:avLst/>
+          </a:prstGeom>
+        </p:spPr>
+      </p:pic>
+    </p:spTree>
+    <p:extLst>
+      <p:ext uri="{BB962C8B-B14F-4D97-AF65-F5344CB8AC3E}">
+        <p14:creationId xmlns:p14="http://schemas.microsoft.com/office/powerpoint/2010/main" val="609491828"/>
+      </p:ext>
+    </p:extLst>
+  </p:cSld>
+  <p:clrMapOvr>
+    <a:masterClrMapping/>
+  </p:clrMapOvr>
+</p:sld>
+</file>
+
+<file path=ppt/slides/slide15.xml><?xml version="1.0" encoding="utf-8"?>
 <p:sld xmlns:a="http://schemas.openxmlformats.org/drawingml/2006/main" xmlns:r="http://schemas.openxmlformats.org/officeDocument/2006/relationships" xmlns:p="http://schemas.openxmlformats.org/presentationml/2006/main">
   <p:cSld>
     <p:spTree>

--- a/docs/Sudoku 9x9 Solver.pptx
+++ b/docs/Sudoku 9x9 Solver.pptx
@@ -9333,36 +9333,6 @@
       </p:grpSpPr>
       <p:pic>
         <p:nvPicPr>
-          <p:cNvPr id="4" name="Picture 3" descr="A close up of a map&#10;&#10;Description automatically generated">
-            <a:extLst>
-              <a:ext uri="{FF2B5EF4-FFF2-40B4-BE49-F238E27FC236}">
-                <a16:creationId xmlns:a16="http://schemas.microsoft.com/office/drawing/2014/main" id="{3605AA7A-8805-42AD-B048-FA137BD6FC03}"/>
-              </a:ext>
-            </a:extLst>
-          </p:cNvPr>
-          <p:cNvPicPr>
-            <a:picLocks noChangeAspect="1"/>
-          </p:cNvPicPr>
-          <p:nvPr/>
-        </p:nvPicPr>
-        <p:blipFill>
-          <a:blip r:embed="rId2"/>
-          <a:stretch>
-            <a:fillRect/>
-          </a:stretch>
-        </p:blipFill>
-        <p:spPr>
-          <a:xfrm>
-            <a:off x="4405931" y="1213023"/>
-            <a:ext cx="3391074" cy="1930499"/>
-          </a:xfrm>
-          <a:prstGeom prst="rect">
-            <a:avLst/>
-          </a:prstGeom>
-        </p:spPr>
-      </p:pic>
-      <p:pic>
-        <p:nvPicPr>
           <p:cNvPr id="5" name="Picture 4" descr="A screenshot of a map&#10;&#10;Description automatically generated">
             <a:extLst>
               <a:ext uri="{FF2B5EF4-FFF2-40B4-BE49-F238E27FC236}">
@@ -9376,7 +9346,7 @@
           <p:nvPr/>
         </p:nvPicPr>
         <p:blipFill>
-          <a:blip r:embed="rId3"/>
+          <a:blip r:embed="rId2"/>
           <a:stretch>
             <a:fillRect/>
           </a:stretch>
@@ -9406,7 +9376,7 @@
           <p:nvPr/>
         </p:nvPicPr>
         <p:blipFill>
-          <a:blip r:embed="rId4"/>
+          <a:blip r:embed="rId3"/>
           <a:stretch>
             <a:fillRect/>
           </a:stretch>
@@ -9436,7 +9406,7 @@
           <p:nvPr/>
         </p:nvPicPr>
         <p:blipFill>
-          <a:blip r:embed="rId5"/>
+          <a:blip r:embed="rId4"/>
           <a:stretch>
             <a:fillRect/>
           </a:stretch>
@@ -9445,36 +9415,6 @@
           <a:xfrm>
             <a:off x="729824" y="3389919"/>
             <a:ext cx="3365673" cy="1936850"/>
-          </a:xfrm>
-          <a:prstGeom prst="rect">
-            <a:avLst/>
-          </a:prstGeom>
-        </p:spPr>
-      </p:pic>
-      <p:pic>
-        <p:nvPicPr>
-          <p:cNvPr id="8" name="Picture 7" descr="A close up of a map&#10;&#10;Description automatically generated">
-            <a:extLst>
-              <a:ext uri="{FF2B5EF4-FFF2-40B4-BE49-F238E27FC236}">
-                <a16:creationId xmlns:a16="http://schemas.microsoft.com/office/drawing/2014/main" id="{D1A7EB59-B5CF-46A3-B336-62BD54061195}"/>
-              </a:ext>
-            </a:extLst>
-          </p:cNvPr>
-          <p:cNvPicPr>
-            <a:picLocks noChangeAspect="1"/>
-          </p:cNvPicPr>
-          <p:nvPr/>
-        </p:nvPicPr>
-        <p:blipFill>
-          <a:blip r:embed="rId6"/>
-          <a:stretch>
-            <a:fillRect/>
-          </a:stretch>
-        </p:blipFill>
-        <p:spPr>
-          <a:xfrm>
-            <a:off x="8005834" y="3329591"/>
-            <a:ext cx="3384724" cy="2032104"/>
           </a:xfrm>
           <a:prstGeom prst="rect">
             <a:avLst/>
@@ -9496,7 +9436,7 @@
           <p:nvPr/>
         </p:nvPicPr>
         <p:blipFill>
-          <a:blip r:embed="rId7"/>
+          <a:blip r:embed="rId5"/>
           <a:stretch>
             <a:fillRect/>
           </a:stretch>
@@ -9505,6 +9445,66 @@
           <a:xfrm>
             <a:off x="729824" y="1213023"/>
             <a:ext cx="3467278" cy="1949550"/>
+          </a:xfrm>
+          <a:prstGeom prst="rect">
+            <a:avLst/>
+          </a:prstGeom>
+        </p:spPr>
+      </p:pic>
+      <p:pic>
+        <p:nvPicPr>
+          <p:cNvPr id="3" name="Picture 2" descr="A close up of a map&#10;&#10;Description automatically generated">
+            <a:extLst>
+              <a:ext uri="{FF2B5EF4-FFF2-40B4-BE49-F238E27FC236}">
+                <a16:creationId xmlns:a16="http://schemas.microsoft.com/office/drawing/2014/main" id="{0E5660B9-FE56-4755-B5CA-1EDB91F34765}"/>
+              </a:ext>
+            </a:extLst>
+          </p:cNvPr>
+          <p:cNvPicPr>
+            <a:picLocks noChangeAspect="1"/>
+          </p:cNvPicPr>
+          <p:nvPr/>
+        </p:nvPicPr>
+        <p:blipFill>
+          <a:blip r:embed="rId6"/>
+          <a:stretch>
+            <a:fillRect/>
+          </a:stretch>
+        </p:blipFill>
+        <p:spPr>
+          <a:xfrm>
+            <a:off x="4400463" y="1213023"/>
+            <a:ext cx="3391074" cy="1930499"/>
+          </a:xfrm>
+          <a:prstGeom prst="rect">
+            <a:avLst/>
+          </a:prstGeom>
+        </p:spPr>
+      </p:pic>
+      <p:pic>
+        <p:nvPicPr>
+          <p:cNvPr id="11" name="Picture 10" descr="A screenshot of text&#10;&#10;Description automatically generated">
+            <a:extLst>
+              <a:ext uri="{FF2B5EF4-FFF2-40B4-BE49-F238E27FC236}">
+                <a16:creationId xmlns:a16="http://schemas.microsoft.com/office/drawing/2014/main" id="{8D8541DE-37D4-4250-9112-058B9668A38C}"/>
+              </a:ext>
+            </a:extLst>
+          </p:cNvPr>
+          <p:cNvPicPr>
+            <a:picLocks noChangeAspect="1"/>
+          </p:cNvPicPr>
+          <p:nvPr/>
+        </p:nvPicPr>
+        <p:blipFill>
+          <a:blip r:embed="rId7"/>
+          <a:stretch>
+            <a:fillRect/>
+          </a:stretch>
+        </p:blipFill>
+        <p:spPr>
+          <a:xfrm>
+            <a:off x="8005834" y="3370868"/>
+            <a:ext cx="3384724" cy="1905098"/>
           </a:xfrm>
           <a:prstGeom prst="rect">
             <a:avLst/>
